--- a/ppt 16-9/0134.愿主得荣耀.pptx
+++ b/ppt 16-9/0134.愿主得荣耀.pptx
@@ -5,7 +5,7 @@
     <p:sldMasterId id="2147483648" r:id="rId1"/>
   </p:sldMasterIdLst>
   <p:sldIdLst>
-    <p:sldId id="2714" r:id="rId2"/>
+    <p:sldId id="2716" r:id="rId2"/>
   </p:sldIdLst>
   <p:sldSz cx="12192000" cy="6858000"/>
   <p:notesSz cx="6858000" cy="9144000"/>
@@ -104,6 +104,11 @@
       </a:defRPr>
     </a:lvl9pPr>
   </p:defaultTextStyle>
+  <p:extLst>
+    <p:ext uri="{EFAFB233-063F-42B5-8137-9DF3F51BA10A}">
+      <p15:sldGuideLst xmlns:p15="http://schemas.microsoft.com/office/powerpoint/2012/main"/>
+    </p:ext>
+  </p:extLst>
 </p:presentation>
 </file>
 
@@ -3323,7 +3328,7 @@
       </p:grpSpPr>
       <p:pic>
         <p:nvPicPr>
-          <p:cNvPr id="137218" name="Picture 2" descr="133"/>
+          <p:cNvPr id="138242" name="Picture 2" descr="134"/>
           <p:cNvPicPr>
             <a:picLocks noChangeAspect="1" noChangeArrowheads="1"/>
           </p:cNvPicPr>
@@ -3345,7 +3350,7 @@
         <p:spPr bwMode="auto">
           <a:xfrm>
             <a:off x="1524000" y="0"/>
-            <a:ext cx="9144000" cy="5589588"/>
+            <a:ext cx="9144000" cy="6858000"/>
           </a:xfrm>
           <a:prstGeom prst="rect">
             <a:avLst/>
@@ -3375,158 +3380,11 @@
           </a:extLst>
         </p:spPr>
       </p:pic>
-      <p:pic>
-        <p:nvPicPr>
-          <p:cNvPr id="138243" name="Picture 3" descr="133-2"/>
-          <p:cNvPicPr>
-            <a:picLocks noChangeAspect="1" noChangeArrowheads="1"/>
-          </p:cNvPicPr>
-          <p:nvPr/>
-        </p:nvPicPr>
-        <p:blipFill>
-          <a:blip r:embed="rId3">
-            <a:extLst>
-              <a:ext uri="{28A0092B-C50C-407E-A947-70E740481C1C}">
-                <a14:useLocalDpi xmlns:a14="http://schemas.microsoft.com/office/drawing/2010/main" val="0"/>
-              </a:ext>
-            </a:extLst>
-          </a:blip>
-          <a:srcRect/>
-          <a:stretch>
-            <a:fillRect/>
-          </a:stretch>
-        </p:blipFill>
-        <p:spPr bwMode="auto">
-          <a:xfrm>
-            <a:off x="1524000" y="0"/>
-            <a:ext cx="9144000" cy="5805488"/>
-          </a:xfrm>
-          <a:prstGeom prst="rect">
-            <a:avLst/>
-          </a:prstGeom>
-          <a:noFill/>
-          <a:ln>
-            <a:noFill/>
-          </a:ln>
-          <a:effectLst/>
-          <a:extLst>
-            <a:ext uri="{909E8E84-426E-40DD-AFC4-6F175D3DCCD1}">
-              <a14:hiddenFill xmlns:a14="http://schemas.microsoft.com/office/drawing/2010/main">
-                <a:solidFill>
-                  <a:srgbClr val="FFFFFF"/>
-                </a:solidFill>
-              </a14:hiddenFill>
-            </a:ext>
-            <a:ext uri="{91240B29-F687-4F45-9708-019B960494DF}">
-              <a14:hiddenLine xmlns:a14="http://schemas.microsoft.com/office/drawing/2010/main" w="9525">
-                <a:solidFill>
-                  <a:srgbClr val="000000"/>
-                </a:solidFill>
-                <a:miter lim="800000"/>
-                <a:headEnd/>
-                <a:tailEnd/>
-              </a14:hiddenLine>
-            </a:ext>
-            <a:ext uri="{AF507438-7753-43E0-B8FC-AC1667EBCBE1}">
-              <a14:hiddenEffects xmlns:a14="http://schemas.microsoft.com/office/drawing/2010/main">
-                <a:effectLst>
-                  <a:outerShdw dist="35921" dir="2700000" algn="ctr" rotWithShape="0">
-                    <a:srgbClr val="808080"/>
-                  </a:outerShdw>
-                </a:effectLst>
-              </a14:hiddenEffects>
-            </a:ext>
-          </a:extLst>
-        </p:spPr>
-      </p:pic>
     </p:spTree>
   </p:cSld>
   <p:clrMapOvr>
     <a:masterClrMapping/>
   </p:clrMapOvr>
-  <p:timing>
-    <p:tnLst>
-      <p:par>
-        <p:cTn id="1" dur="indefinite" restart="never" nodeType="tmRoot">
-          <p:childTnLst>
-            <p:seq concurrent="1" nextAc="seek">
-              <p:cTn id="2" dur="indefinite" nodeType="mainSeq">
-                <p:childTnLst>
-                  <p:par>
-                    <p:cTn id="3" fill="hold" nodeType="clickPar">
-                      <p:stCondLst>
-                        <p:cond delay="indefinite"/>
-                      </p:stCondLst>
-                      <p:childTnLst>
-                        <p:par>
-                          <p:cTn id="4" fill="hold" nodeType="withGroup">
-                            <p:stCondLst>
-                              <p:cond delay="0"/>
-                            </p:stCondLst>
-                            <p:childTnLst>
-                              <p:par>
-                                <p:cTn id="5" presetID="10" presetClass="entr" presetSubtype="0" fill="hold" nodeType="clickEffect">
-                                  <p:stCondLst>
-                                    <p:cond delay="0"/>
-                                  </p:stCondLst>
-                                  <p:childTnLst>
-                                    <p:set>
-                                      <p:cBhvr>
-                                        <p:cTn id="6" dur="1" fill="hold">
-                                          <p:stCondLst>
-                                            <p:cond delay="0"/>
-                                          </p:stCondLst>
-                                        </p:cTn>
-                                        <p:tgtEl>
-                                          <p:spTgt spid="138243"/>
-                                        </p:tgtEl>
-                                        <p:attrNameLst>
-                                          <p:attrName>style.visibility</p:attrName>
-                                        </p:attrNameLst>
-                                      </p:cBhvr>
-                                      <p:to>
-                                        <p:strVal val="visible"/>
-                                      </p:to>
-                                    </p:set>
-                                    <p:animEffect transition="in" filter="fade">
-                                      <p:cBhvr>
-                                        <p:cTn id="7" dur="500"/>
-                                        <p:tgtEl>
-                                          <p:spTgt spid="138243"/>
-                                        </p:tgtEl>
-                                      </p:cBhvr>
-                                    </p:animEffect>
-                                  </p:childTnLst>
-                                </p:cTn>
-                              </p:par>
-                            </p:childTnLst>
-                          </p:cTn>
-                        </p:par>
-                      </p:childTnLst>
-                    </p:cTn>
-                  </p:par>
-                </p:childTnLst>
-              </p:cTn>
-              <p:prevCondLst>
-                <p:cond evt="onPrev" delay="0">
-                  <p:tgtEl>
-                    <p:sldTgt/>
-                  </p:tgtEl>
-                </p:cond>
-              </p:prevCondLst>
-              <p:nextCondLst>
-                <p:cond evt="onNext" delay="0">
-                  <p:tgtEl>
-                    <p:sldTgt/>
-                  </p:tgtEl>
-                </p:cond>
-              </p:nextCondLst>
-            </p:seq>
-          </p:childTnLst>
-        </p:cTn>
-      </p:par>
-    </p:tnLst>
-  </p:timing>
 </p:sld>
 </file>
 
